--- a/assets/img/lab_logo.pptx
+++ b/assets/img/lab_logo.pptx
@@ -9,6 +9,7 @@
     <p:sldId id="257" r:id="rId3"/>
     <p:sldId id="258" r:id="rId4"/>
     <p:sldId id="259" r:id="rId5"/>
+    <p:sldId id="260" r:id="rId6"/>
   </p:sldIdLst>
   <p:sldSz cx="12192000" cy="6858000"/>
   <p:notesSz cx="6858000" cy="9144000"/>
@@ -262,7 +263,7 @@
           <a:p>
             <a:fld id="{7C6D0133-8DB2-487F-BC57-0BCA84CE6C8B}" type="datetimeFigureOut">
               <a:rPr kumimoji="1" lang="ja-JP" altLang="en-US" smtClean="0"/>
-              <a:t>2024/5/7</a:t>
+              <a:t>2024/5/9</a:t>
             </a:fld>
             <a:endParaRPr kumimoji="1" lang="ja-JP" altLang="en-US"/>
           </a:p>
@@ -492,7 +493,7 @@
           <a:p>
             <a:fld id="{7C6D0133-8DB2-487F-BC57-0BCA84CE6C8B}" type="datetimeFigureOut">
               <a:rPr kumimoji="1" lang="ja-JP" altLang="en-US" smtClean="0"/>
-              <a:t>2024/5/7</a:t>
+              <a:t>2024/5/9</a:t>
             </a:fld>
             <a:endParaRPr kumimoji="1" lang="ja-JP" altLang="en-US"/>
           </a:p>
@@ -732,7 +733,7 @@
           <a:p>
             <a:fld id="{7C6D0133-8DB2-487F-BC57-0BCA84CE6C8B}" type="datetimeFigureOut">
               <a:rPr kumimoji="1" lang="ja-JP" altLang="en-US" smtClean="0"/>
-              <a:t>2024/5/7</a:t>
+              <a:t>2024/5/9</a:t>
             </a:fld>
             <a:endParaRPr kumimoji="1" lang="ja-JP" altLang="en-US"/>
           </a:p>
@@ -962,7 +963,7 @@
           <a:p>
             <a:fld id="{7C6D0133-8DB2-487F-BC57-0BCA84CE6C8B}" type="datetimeFigureOut">
               <a:rPr kumimoji="1" lang="ja-JP" altLang="en-US" smtClean="0"/>
-              <a:t>2024/5/7</a:t>
+              <a:t>2024/5/9</a:t>
             </a:fld>
             <a:endParaRPr kumimoji="1" lang="ja-JP" altLang="en-US"/>
           </a:p>
@@ -1237,7 +1238,7 @@
           <a:p>
             <a:fld id="{7C6D0133-8DB2-487F-BC57-0BCA84CE6C8B}" type="datetimeFigureOut">
               <a:rPr kumimoji="1" lang="ja-JP" altLang="en-US" smtClean="0"/>
-              <a:t>2024/5/7</a:t>
+              <a:t>2024/5/9</a:t>
             </a:fld>
             <a:endParaRPr kumimoji="1" lang="ja-JP" altLang="en-US"/>
           </a:p>
@@ -1566,7 +1567,7 @@
           <a:p>
             <a:fld id="{7C6D0133-8DB2-487F-BC57-0BCA84CE6C8B}" type="datetimeFigureOut">
               <a:rPr kumimoji="1" lang="ja-JP" altLang="en-US" smtClean="0"/>
-              <a:t>2024/5/7</a:t>
+              <a:t>2024/5/9</a:t>
             </a:fld>
             <a:endParaRPr kumimoji="1" lang="ja-JP" altLang="en-US"/>
           </a:p>
@@ -2042,7 +2043,7 @@
           <a:p>
             <a:fld id="{7C6D0133-8DB2-487F-BC57-0BCA84CE6C8B}" type="datetimeFigureOut">
               <a:rPr kumimoji="1" lang="ja-JP" altLang="en-US" smtClean="0"/>
-              <a:t>2024/5/7</a:t>
+              <a:t>2024/5/9</a:t>
             </a:fld>
             <a:endParaRPr kumimoji="1" lang="ja-JP" altLang="en-US"/>
           </a:p>
@@ -2183,7 +2184,7 @@
           <a:p>
             <a:fld id="{7C6D0133-8DB2-487F-BC57-0BCA84CE6C8B}" type="datetimeFigureOut">
               <a:rPr kumimoji="1" lang="ja-JP" altLang="en-US" smtClean="0"/>
-              <a:t>2024/5/7</a:t>
+              <a:t>2024/5/9</a:t>
             </a:fld>
             <a:endParaRPr kumimoji="1" lang="ja-JP" altLang="en-US"/>
           </a:p>
@@ -2296,7 +2297,7 @@
           <a:p>
             <a:fld id="{7C6D0133-8DB2-487F-BC57-0BCA84CE6C8B}" type="datetimeFigureOut">
               <a:rPr kumimoji="1" lang="ja-JP" altLang="en-US" smtClean="0"/>
-              <a:t>2024/5/7</a:t>
+              <a:t>2024/5/9</a:t>
             </a:fld>
             <a:endParaRPr kumimoji="1" lang="ja-JP" altLang="en-US"/>
           </a:p>
@@ -2639,7 +2640,7 @@
           <a:p>
             <a:fld id="{7C6D0133-8DB2-487F-BC57-0BCA84CE6C8B}" type="datetimeFigureOut">
               <a:rPr kumimoji="1" lang="ja-JP" altLang="en-US" smtClean="0"/>
-              <a:t>2024/5/7</a:t>
+              <a:t>2024/5/9</a:t>
             </a:fld>
             <a:endParaRPr kumimoji="1" lang="ja-JP" altLang="en-US"/>
           </a:p>
@@ -2927,7 +2928,7 @@
           <a:p>
             <a:fld id="{7C6D0133-8DB2-487F-BC57-0BCA84CE6C8B}" type="datetimeFigureOut">
               <a:rPr kumimoji="1" lang="ja-JP" altLang="en-US" smtClean="0"/>
-              <a:t>2024/5/7</a:t>
+              <a:t>2024/5/9</a:t>
             </a:fld>
             <a:endParaRPr kumimoji="1" lang="ja-JP" altLang="en-US"/>
           </a:p>
@@ -3200,7 +3201,7 @@
           <a:p>
             <a:fld id="{7C6D0133-8DB2-487F-BC57-0BCA84CE6C8B}" type="datetimeFigureOut">
               <a:rPr kumimoji="1" lang="ja-JP" altLang="en-US" smtClean="0"/>
-              <a:t>2024/5/7</a:t>
+              <a:t>2024/5/9</a:t>
             </a:fld>
             <a:endParaRPr kumimoji="1" lang="ja-JP" altLang="en-US"/>
           </a:p>
@@ -4646,8 +4647,8 @@
           </p:nvSpPr>
           <p:spPr>
             <a:xfrm>
-              <a:off x="142504" y="1826353"/>
-              <a:ext cx="11863449" cy="1692771"/>
+              <a:off x="997454" y="2321159"/>
+              <a:ext cx="9979233" cy="1446550"/>
             </a:xfrm>
             <a:prstGeom prst="rect">
               <a:avLst/>
@@ -4662,7 +4663,7 @@
             <a:p>
               <a:pPr algn="just"/>
               <a:r>
-                <a:rPr kumimoji="1" lang="en-US" altLang="ja-JP" sz="5200" i="1" dirty="0">
+                <a:rPr kumimoji="1" lang="en-US" altLang="ja-JP" sz="4400" i="1" dirty="0">
                   <a:latin typeface="Courier New" panose="02070309020205020404" pitchFamily="49" charset="0"/>
                   <a:cs typeface="Courier New" panose="02070309020205020404" pitchFamily="49" charset="0"/>
                 </a:rPr>
@@ -4672,13 +4673,13 @@
             <a:p>
               <a:pPr algn="just"/>
               <a:r>
-                <a:rPr kumimoji="1" lang="en-US" altLang="ja-JP" sz="5200" i="1" dirty="0">
+                <a:rPr kumimoji="1" lang="en-US" altLang="ja-JP" sz="4400" i="1" dirty="0">
                   <a:latin typeface="Courier New" panose="02070309020205020404" pitchFamily="49" charset="0"/>
                   <a:cs typeface="Courier New" panose="02070309020205020404" pitchFamily="49" charset="0"/>
                 </a:rPr>
                 <a:t>is the beginning of knowledge </a:t>
               </a:r>
-              <a:endParaRPr kumimoji="1" lang="ja-JP" altLang="en-US" sz="5200" i="1" dirty="0">
+              <a:endParaRPr kumimoji="1" lang="ja-JP" altLang="en-US" sz="4400" i="1" dirty="0">
                 <a:latin typeface="Courier New" panose="02070309020205020404" pitchFamily="49" charset="0"/>
                 <a:cs typeface="Courier New" panose="02070309020205020404" pitchFamily="49" charset="0"/>
               </a:endParaRPr>
@@ -4699,8 +4700,8 @@
           </p:nvSpPr>
           <p:spPr>
             <a:xfrm>
-              <a:off x="142504" y="3948418"/>
-              <a:ext cx="4205853" cy="707886"/>
+              <a:off x="8767947" y="3845504"/>
+              <a:ext cx="2208739" cy="400110"/>
             </a:xfrm>
             <a:prstGeom prst="rect">
               <a:avLst/>
@@ -4714,13 +4715,13 @@
             <a:lstStyle/>
             <a:p>
               <a:r>
-                <a:rPr lang="en-US" altLang="ja-JP" sz="4000" dirty="0">
+                <a:rPr lang="en-US" altLang="ja-JP" sz="2000" dirty="0">
                   <a:latin typeface="Courier New" panose="02070309020205020404" pitchFamily="49" charset="0"/>
                   <a:cs typeface="Courier New" panose="02070309020205020404" pitchFamily="49" charset="0"/>
                 </a:rPr>
                 <a:t>Khalil Gibran</a:t>
               </a:r>
-              <a:endParaRPr lang="ja-JP" altLang="en-US" sz="4000" dirty="0">
+              <a:endParaRPr lang="ja-JP" altLang="en-US" sz="2000" dirty="0">
                 <a:latin typeface="Courier New" panose="02070309020205020404" pitchFamily="49" charset="0"/>
                 <a:cs typeface="Courier New" panose="02070309020205020404" pitchFamily="49" charset="0"/>
               </a:endParaRPr>
@@ -4732,6 +4733,187 @@
     <p:extLst>
       <p:ext uri="{BB962C8B-B14F-4D97-AF65-F5344CB8AC3E}">
         <p14:creationId xmlns:p14="http://schemas.microsoft.com/office/powerpoint/2010/main" val="1589849108"/>
+      </p:ext>
+    </p:extLst>
+  </p:cSld>
+  <p:clrMapOvr>
+    <a:masterClrMapping/>
+  </p:clrMapOvr>
+</p:sld>
+</file>
+
+<file path=ppt/slides/slide5.xml><?xml version="1.0" encoding="utf-8"?>
+<p:sld xmlns:a="http://schemas.openxmlformats.org/drawingml/2006/main" xmlns:r="http://schemas.openxmlformats.org/officeDocument/2006/relationships" xmlns:p="http://schemas.openxmlformats.org/presentationml/2006/main">
+  <p:cSld>
+    <p:spTree>
+      <p:nvGrpSpPr>
+        <p:cNvPr id="1" name=""/>
+        <p:cNvGrpSpPr/>
+        <p:nvPr/>
+      </p:nvGrpSpPr>
+      <p:grpSpPr>
+        <a:xfrm>
+          <a:off x="0" y="0"/>
+          <a:ext cx="0" cy="0"/>
+          <a:chOff x="0" y="0"/>
+          <a:chExt cx="0" cy="0"/>
+        </a:xfrm>
+      </p:grpSpPr>
+      <p:grpSp>
+        <p:nvGrpSpPr>
+          <p:cNvPr id="5" name="グループ化 4">
+            <a:extLst>
+              <a:ext uri="{FF2B5EF4-FFF2-40B4-BE49-F238E27FC236}">
+                <a16:creationId xmlns:a16="http://schemas.microsoft.com/office/drawing/2014/main" id="{990E4698-C021-4167-BAD9-FC71E7F3CD86}"/>
+              </a:ext>
+            </a:extLst>
+          </p:cNvPr>
+          <p:cNvGrpSpPr/>
+          <p:nvPr/>
+        </p:nvGrpSpPr>
+        <p:grpSpPr>
+          <a:xfrm>
+            <a:off x="0" y="1464058"/>
+            <a:ext cx="12192000" cy="3508917"/>
+            <a:chOff x="0" y="1464058"/>
+            <a:chExt cx="12192000" cy="3508917"/>
+          </a:xfrm>
+        </p:grpSpPr>
+        <p:pic>
+          <p:nvPicPr>
+            <p:cNvPr id="3" name="図 2">
+              <a:extLst>
+                <a:ext uri="{FF2B5EF4-FFF2-40B4-BE49-F238E27FC236}">
+                  <a16:creationId xmlns:a16="http://schemas.microsoft.com/office/drawing/2014/main" id="{1C52F239-21D1-4C98-8D05-A82D17339703}"/>
+                </a:ext>
+              </a:extLst>
+            </p:cNvPr>
+            <p:cNvPicPr>
+              <a:picLocks noChangeAspect="1"/>
+            </p:cNvPicPr>
+            <p:nvPr/>
+          </p:nvPicPr>
+          <p:blipFill rotWithShape="1">
+            <a:blip r:embed="rId2">
+              <a:extLst>
+                <a:ext uri="{28A0092B-C50C-407E-A947-70E740481C1C}">
+                  <a14:useLocalDpi xmlns:a14="http://schemas.microsoft.com/office/drawing/2010/main" val="0"/>
+                </a:ext>
+              </a:extLst>
+            </a:blip>
+            <a:srcRect l="3646" r="3698" b="80000"/>
+            <a:stretch/>
+          </p:blipFill>
+          <p:spPr>
+            <a:xfrm>
+              <a:off x="0" y="1464058"/>
+              <a:ext cx="12192000" cy="3508917"/>
+            </a:xfrm>
+            <a:prstGeom prst="rect">
+              <a:avLst/>
+            </a:prstGeom>
+          </p:spPr>
+        </p:pic>
+        <p:sp>
+          <p:nvSpPr>
+            <p:cNvPr id="4" name="テキスト ボックス 3">
+              <a:extLst>
+                <a:ext uri="{FF2B5EF4-FFF2-40B4-BE49-F238E27FC236}">
+                  <a16:creationId xmlns:a16="http://schemas.microsoft.com/office/drawing/2014/main" id="{594E2D7C-D328-48D4-9034-1BB899EF7E3F}"/>
+                </a:ext>
+              </a:extLst>
+            </p:cNvPr>
+            <p:cNvSpPr txBox="1"/>
+            <p:nvPr/>
+          </p:nvSpPr>
+          <p:spPr>
+            <a:xfrm>
+              <a:off x="1076623" y="1605642"/>
+              <a:ext cx="9979233" cy="1446550"/>
+            </a:xfrm>
+            <a:prstGeom prst="rect">
+              <a:avLst/>
+            </a:prstGeom>
+            <a:noFill/>
+          </p:spPr>
+          <p:txBody>
+            <a:bodyPr wrap="square" rtlCol="0">
+              <a:spAutoFit/>
+            </a:bodyPr>
+            <a:lstStyle/>
+            <a:p>
+              <a:pPr algn="just"/>
+              <a:r>
+                <a:rPr kumimoji="1" lang="en-US" altLang="ja-JP" sz="4400" i="1" dirty="0">
+                  <a:latin typeface="Courier New" panose="02070309020205020404" pitchFamily="49" charset="0"/>
+                  <a:cs typeface="Courier New" panose="02070309020205020404" pitchFamily="49" charset="0"/>
+                </a:rPr>
+                <a:t>Perplexity </a:t>
+              </a:r>
+            </a:p>
+            <a:p>
+              <a:pPr algn="just"/>
+              <a:r>
+                <a:rPr kumimoji="1" lang="en-US" altLang="ja-JP" sz="4400" i="1" dirty="0">
+                  <a:latin typeface="Courier New" panose="02070309020205020404" pitchFamily="49" charset="0"/>
+                  <a:cs typeface="Courier New" panose="02070309020205020404" pitchFamily="49" charset="0"/>
+                </a:rPr>
+                <a:t>is the beginning of knowledge </a:t>
+              </a:r>
+              <a:endParaRPr kumimoji="1" lang="ja-JP" altLang="en-US" sz="4400" i="1" dirty="0">
+                <a:latin typeface="Courier New" panose="02070309020205020404" pitchFamily="49" charset="0"/>
+                <a:cs typeface="Courier New" panose="02070309020205020404" pitchFamily="49" charset="0"/>
+              </a:endParaRPr>
+            </a:p>
+          </p:txBody>
+        </p:sp>
+        <p:sp>
+          <p:nvSpPr>
+            <p:cNvPr id="8" name="テキスト ボックス 7">
+              <a:extLst>
+                <a:ext uri="{FF2B5EF4-FFF2-40B4-BE49-F238E27FC236}">
+                  <a16:creationId xmlns:a16="http://schemas.microsoft.com/office/drawing/2014/main" id="{5A1FDC73-7115-4F5B-A8C8-AA973BD88496}"/>
+                </a:ext>
+              </a:extLst>
+            </p:cNvPr>
+            <p:cNvSpPr txBox="1"/>
+            <p:nvPr/>
+          </p:nvSpPr>
+          <p:spPr>
+            <a:xfrm>
+              <a:off x="8847116" y="2983519"/>
+              <a:ext cx="2208739" cy="400110"/>
+            </a:xfrm>
+            <a:prstGeom prst="rect">
+              <a:avLst/>
+            </a:prstGeom>
+            <a:noFill/>
+          </p:spPr>
+          <p:txBody>
+            <a:bodyPr wrap="square">
+              <a:spAutoFit/>
+            </a:bodyPr>
+            <a:lstStyle/>
+            <a:p>
+              <a:r>
+                <a:rPr lang="en-US" altLang="ja-JP" sz="2000" dirty="0">
+                  <a:latin typeface="Courier New" panose="02070309020205020404" pitchFamily="49" charset="0"/>
+                  <a:cs typeface="Courier New" panose="02070309020205020404" pitchFamily="49" charset="0"/>
+                </a:rPr>
+                <a:t>Khalil Gibran</a:t>
+              </a:r>
+              <a:endParaRPr lang="ja-JP" altLang="en-US" sz="2000" dirty="0">
+                <a:latin typeface="Courier New" panose="02070309020205020404" pitchFamily="49" charset="0"/>
+                <a:cs typeface="Courier New" panose="02070309020205020404" pitchFamily="49" charset="0"/>
+              </a:endParaRPr>
+            </a:p>
+          </p:txBody>
+        </p:sp>
+      </p:grpSp>
+    </p:spTree>
+    <p:extLst>
+      <p:ext uri="{BB962C8B-B14F-4D97-AF65-F5344CB8AC3E}">
+        <p14:creationId xmlns:p14="http://schemas.microsoft.com/office/powerpoint/2010/main" val="2231818837"/>
       </p:ext>
     </p:extLst>
   </p:cSld>
